--- a/Presentation.pptx
+++ b/Presentation.pptx
@@ -154,7 +154,7 @@
   </p:defaultTextStyle>
   <p:extLst>
     <p:ext uri="{EFAFB233-063F-42B5-8137-9DF3F51BA10A}">
-      <p15:sldGuideLst xmlns="" xmlns:p15="http://schemas.microsoft.com/office/powerpoint/2012/main">
+      <p15:sldGuideLst xmlns:p15="http://schemas.microsoft.com/office/powerpoint/2012/main" xmlns="">
         <p15:guide id="1" orient="horz" pos="2160">
           <p15:clr>
             <a:srgbClr val="A4A3A4"/>
@@ -3283,7 +3283,7 @@
               </a14:hiddenLine>
             </a:ext>
             <a:ext uri="{FAA26D3D-D897-4be2-8F04-BA451C77F1D7}">
-              <ma14:placeholderFlag xmlns="" xmlns:ma14="http://schemas.microsoft.com/office/mac/drawingml/2011/main" val="1"/>
+              <ma14:placeholderFlag xmlns:ma14="http://schemas.microsoft.com/office/mac/drawingml/2011/main" xmlns="" val="1"/>
             </a:ext>
           </a:extLst>
         </p:spPr>
@@ -3491,7 +3491,7 @@
               </a14:hiddenLine>
             </a:ext>
             <a:ext uri="{FAA26D3D-D897-4be2-8F04-BA451C77F1D7}">
-              <ma14:placeholderFlag xmlns="" xmlns:ma14="http://schemas.microsoft.com/office/mac/drawingml/2011/main" val="1"/>
+              <ma14:placeholderFlag xmlns:ma14="http://schemas.microsoft.com/office/mac/drawingml/2011/main" xmlns="" val="1"/>
             </a:ext>
           </a:extLst>
         </p:spPr>
@@ -4257,7 +4257,11 @@
           <a:p>
             <a:r>
               <a:rPr lang="en-IE" dirty="0" smtClean="0"/>
-              <a:t>Find sources and presentation @</a:t>
+              <a:t>Find sources and presentation </a:t>
+            </a:r>
+            <a:r>
+              <a:rPr lang="en-IE" dirty="0"/>
+              <a:t>@ https://github.com/BjornVanDommelen/TDS2014</a:t>
             </a:r>
             <a:endParaRPr lang="nl-NL" dirty="0"/>
           </a:p>
@@ -4630,7 +4634,6 @@
               <a:rPr lang="en-IE" dirty="0" smtClean="0"/>
               <a:t> are available in all editions</a:t>
             </a:r>
-            <a:endParaRPr lang="en-IE" dirty="0" smtClean="0"/>
           </a:p>
         </p:txBody>
       </p:sp>
@@ -5716,7 +5719,7 @@
               </a14:hiddenLine>
             </a:ext>
             <a:ext uri="{FAA26D3D-D897-4be2-8F04-BA451C77F1D7}">
-              <ma14:placeholderFlag xmlns="" xmlns:ma14="http://schemas.microsoft.com/office/mac/drawingml/2011/main" val="1"/>
+              <ma14:placeholderFlag xmlns:ma14="http://schemas.microsoft.com/office/mac/drawingml/2011/main" xmlns="" val="1"/>
             </a:ext>
           </a:extLst>
         </p:spPr>
